--- a/random_forest_presentation_with_images.pptx
+++ b/random_forest_presentation_with_images.pptx
@@ -11,6 +11,7 @@
     <p:sldId id="259" r:id="rId10"/>
     <p:sldId id="260" r:id="rId11"/>
     <p:sldId id="261" r:id="rId12"/>
+    <p:sldId id="262" r:id="rId13"/>
   </p:sldIdLst>
   <p:sldSz cx="9144000" cy="6858000" type="screen4x3"/>
   <p:notesSz cx="6858000" cy="9144000"/>
@@ -3561,7 +3562,7 @@
         <p:spPr>
           <a:xfrm>
             <a:off x="4572000" y="1371600"/>
-            <a:ext cx="3657600" cy="6816926"/>
+            <a:ext cx="3657600" cy="1052576"/>
           </a:xfrm>
           <a:prstGeom prst="rect">
             <a:avLst/>
@@ -4015,6 +4016,193 @@
             </a:pPr>
             <a:r>
               <a:t>• Need for adaptive learning</a:t>
+            </a:r>
+          </a:p>
+        </p:txBody>
+      </p:sp>
+    </p:spTree>
+  </p:cSld>
+  <p:clrMapOvr>
+    <a:masterClrMapping/>
+  </p:clrMapOvr>
+</p:sld>
+</file>
+
+<file path=ppt/slides/slide7.xml><?xml version="1.0" encoding="utf-8"?>
+<p:sld xmlns:a="http://schemas.openxmlformats.org/drawingml/2006/main" xmlns:p="http://schemas.openxmlformats.org/presentationml/2006/main" xmlns:r="http://schemas.openxmlformats.org/officeDocument/2006/relationships">
+  <p:cSld>
+    <p:spTree>
+      <p:nvGrpSpPr>
+        <p:cNvPr id="1" name=""/>
+        <p:cNvGrpSpPr/>
+        <p:nvPr/>
+      </p:nvGrpSpPr>
+      <p:grpSpPr/>
+      <p:sp>
+        <p:nvSpPr>
+          <p:cNvPr id="2" name="Title 1"/>
+          <p:cNvSpPr>
+            <a:spLocks noGrp="1"/>
+          </p:cNvSpPr>
+          <p:nvPr>
+            <p:ph type="title"/>
+          </p:nvPr>
+        </p:nvSpPr>
+        <p:spPr/>
+        <p:txBody>
+          <a:bodyPr/>
+          <a:lstStyle/>
+          <a:p>
+            <a:pPr>
+              <a:defRPr sz="3600"/>
+            </a:pPr>
+            <a:r>
+              <a:t>Alternative: SGD Classifier for Concept Drift</a:t>
+            </a:r>
+          </a:p>
+        </p:txBody>
+      </p:sp>
+      <p:sp>
+        <p:nvSpPr>
+          <p:cNvPr id="3" name="Content Placeholder 2"/>
+          <p:cNvSpPr>
+            <a:spLocks noGrp="1"/>
+          </p:cNvSpPr>
+          <p:nvPr>
+            <p:ph idx="1"/>
+          </p:nvPr>
+        </p:nvSpPr>
+        <p:spPr/>
+        <p:txBody>
+          <a:bodyPr/>
+          <a:lstStyle/>
+          <a:p/>
+        </p:txBody>
+      </p:sp>
+      <p:pic>
+        <p:nvPicPr>
+          <p:cNvPr id="4" name="Picture 3" descr="sgd_diagram.png"/>
+          <p:cNvPicPr>
+            <a:picLocks noChangeAspect="1"/>
+          </p:cNvPicPr>
+          <p:nvPr/>
+        </p:nvPicPr>
+        <p:blipFill>
+          <a:blip r:embed="rId2"/>
+          <a:stretch>
+            <a:fillRect/>
+          </a:stretch>
+        </p:blipFill>
+        <p:spPr>
+          <a:xfrm>
+            <a:off x="4572000" y="1371600"/>
+            <a:ext cx="3657600" cy="3867066"/>
+          </a:xfrm>
+          <a:prstGeom prst="rect">
+            <a:avLst/>
+          </a:prstGeom>
+        </p:spPr>
+      </p:pic>
+      <p:sp>
+        <p:nvSpPr>
+          <p:cNvPr id="5" name="TextBox 4"/>
+          <p:cNvSpPr txBox="1"/>
+          <p:nvPr/>
+        </p:nvSpPr>
+        <p:spPr>
+          <a:xfrm>
+            <a:off x="457200" y="1371600"/>
+            <a:ext cx="3657600" cy="5029200"/>
+          </a:xfrm>
+          <a:prstGeom prst="rect">
+            <a:avLst/>
+          </a:prstGeom>
+          <a:noFill/>
+        </p:spPr>
+        <p:txBody>
+          <a:bodyPr wrap="none">
+            <a:spAutoFit/>
+          </a:bodyPr>
+          <a:lstStyle/>
+          <a:p/>
+          <a:p>
+            <a:pPr>
+              <a:defRPr sz="2400"/>
+            </a:pPr>
+            <a:r>
+              <a:t>Advantages:</a:t>
+            </a:r>
+          </a:p>
+          <a:p>
+            <a:pPr>
+              <a:defRPr sz="2400"/>
+            </a:pPr>
+            <a:r>
+              <a:t>• Online Learning Capability</a:t>
+            </a:r>
+          </a:p>
+          <a:p>
+            <a:pPr>
+              <a:defRPr sz="2400"/>
+            </a:pPr>
+            <a:r>
+              <a:t>  - Continuous model updates</a:t>
+            </a:r>
+          </a:p>
+          <a:p>
+            <a:pPr>
+              <a:defRPr sz="2400"/>
+            </a:pPr>
+            <a:r>
+              <a:t>  - Adapts to new patterns</a:t>
+            </a:r>
+          </a:p>
+          <a:p>
+            <a:pPr>
+              <a:defRPr sz="2400"/>
+            </a:pPr>
+            <a:r>
+              <a:t>• Memory Efficient</a:t>
+            </a:r>
+          </a:p>
+          <a:p>
+            <a:pPr>
+              <a:defRPr sz="2400"/>
+            </a:pPr>
+            <a:r>
+              <a:t>  - No stored trees</a:t>
+            </a:r>
+          </a:p>
+          <a:p>
+            <a:pPr>
+              <a:defRPr sz="2400"/>
+            </a:pPr>
+            <a:r>
+              <a:t>  - Linear model complexity</a:t>
+            </a:r>
+          </a:p>
+          <a:p>
+            <a:pPr>
+              <a:defRPr sz="2400"/>
+            </a:pPr>
+            <a:r>
+              <a:t>• Scalable Solution</a:t>
+            </a:r>
+          </a:p>
+          <a:p>
+            <a:pPr>
+              <a:defRPr sz="2400"/>
+            </a:pPr>
+            <a:r>
+              <a:t>  - Fast training and updates</a:t>
+            </a:r>
+          </a:p>
+          <a:p>
+            <a:pPr>
+              <a:defRPr sz="2400"/>
+            </a:pPr>
+            <a:r>
+              <a:t>  - Handles streaming data</a:t>
             </a:r>
           </a:p>
         </p:txBody>
